--- a/2021sp_cs361s/lectures/04_Classic_Network_Attacks.pptx
+++ b/2021sp_cs361s/lectures/04_Classic_Network_Attacks.pptx
@@ -8422,11 +8422,7 @@
           <a:p>
             <a:r>
               <a:rPr lang="en-US" dirty="0"/>
-              <a:t>Kind of like </a:t>
-            </a:r>
-            <a:r>
-              <a:rPr lang="en-US"/>
-              <a:t>ARP Spoofing</a:t>
+              <a:t>Kind of like ARP Spoofing</a:t>
             </a:r>
           </a:p>
         </p:txBody>
